--- a/resource/Effective Java Advance.pptx
+++ b/resource/Effective Java Advance.pptx
@@ -762,7 +762,7 @@
           <a:p>
             <a:fld id="{B9114B60-D3A9-400F-8F56-89102BF2BA28}" type="datetimeFigureOut">
               <a:rPr lang="tr-TR" smtClean="0"/>
-              <a:t>21.12.2021</a:t>
+              <a:t>22.12.2021</a:t>
             </a:fld>
             <a:endParaRPr lang="tr-TR"/>
           </a:p>
@@ -1882,7 +1882,7 @@
           <a:p>
             <a:fld id="{B9114B60-D3A9-400F-8F56-89102BF2BA28}" type="datetimeFigureOut">
               <a:rPr lang="tr-TR" smtClean="0"/>
-              <a:t>21.12.2021</a:t>
+              <a:t>22.12.2021</a:t>
             </a:fld>
             <a:endParaRPr lang="tr-TR"/>
           </a:p>
@@ -2893,7 +2893,7 @@
           <a:p>
             <a:fld id="{B9114B60-D3A9-400F-8F56-89102BF2BA28}" type="datetimeFigureOut">
               <a:rPr lang="tr-TR" smtClean="0"/>
-              <a:t>21.12.2021</a:t>
+              <a:t>22.12.2021</a:t>
             </a:fld>
             <a:endParaRPr lang="tr-TR"/>
           </a:p>
@@ -4063,7 +4063,7 @@
           <a:p>
             <a:fld id="{B9114B60-D3A9-400F-8F56-89102BF2BA28}" type="datetimeFigureOut">
               <a:rPr lang="tr-TR" smtClean="0"/>
-              <a:t>21.12.2021</a:t>
+              <a:t>22.12.2021</a:t>
             </a:fld>
             <a:endParaRPr lang="tr-TR"/>
           </a:p>
@@ -5124,7 +5124,7 @@
           <a:p>
             <a:fld id="{B9114B60-D3A9-400F-8F56-89102BF2BA28}" type="datetimeFigureOut">
               <a:rPr lang="tr-TR" smtClean="0"/>
-              <a:t>21.12.2021</a:t>
+              <a:t>22.12.2021</a:t>
             </a:fld>
             <a:endParaRPr lang="tr-TR"/>
           </a:p>
@@ -5770,7 +5770,7 @@
           <a:p>
             <a:fld id="{B9114B60-D3A9-400F-8F56-89102BF2BA28}" type="datetimeFigureOut">
               <a:rPr lang="tr-TR" smtClean="0"/>
-              <a:t>21.12.2021</a:t>
+              <a:t>22.12.2021</a:t>
             </a:fld>
             <a:endParaRPr lang="tr-TR"/>
           </a:p>
@@ -6617,7 +6617,7 @@
           <a:p>
             <a:fld id="{B9114B60-D3A9-400F-8F56-89102BF2BA28}" type="datetimeFigureOut">
               <a:rPr lang="tr-TR" smtClean="0"/>
-              <a:t>21.12.2021</a:t>
+              <a:t>22.12.2021</a:t>
             </a:fld>
             <a:endParaRPr lang="tr-TR"/>
           </a:p>
@@ -6792,7 +6792,7 @@
           <a:p>
             <a:fld id="{B9114B60-D3A9-400F-8F56-89102BF2BA28}" type="datetimeFigureOut">
               <a:rPr lang="tr-TR" smtClean="0"/>
-              <a:t>21.12.2021</a:t>
+              <a:t>22.12.2021</a:t>
             </a:fld>
             <a:endParaRPr lang="tr-TR"/>
           </a:p>
@@ -7790,7 +7790,7 @@
           <a:p>
             <a:fld id="{B9114B60-D3A9-400F-8F56-89102BF2BA28}" type="datetimeFigureOut">
               <a:rPr lang="tr-TR" smtClean="0"/>
-              <a:t>21.12.2021</a:t>
+              <a:t>22.12.2021</a:t>
             </a:fld>
             <a:endParaRPr lang="tr-TR"/>
           </a:p>
@@ -7996,7 +7996,7 @@
           <a:p>
             <a:fld id="{B9114B60-D3A9-400F-8F56-89102BF2BA28}" type="datetimeFigureOut">
               <a:rPr lang="tr-TR" smtClean="0"/>
-              <a:t>21.12.2021</a:t>
+              <a:t>22.12.2021</a:t>
             </a:fld>
             <a:endParaRPr lang="tr-TR"/>
           </a:p>
@@ -9058,7 +9058,7 @@
           <a:p>
             <a:fld id="{B9114B60-D3A9-400F-8F56-89102BF2BA28}" type="datetimeFigureOut">
               <a:rPr lang="tr-TR" smtClean="0"/>
-              <a:t>21.12.2021</a:t>
+              <a:t>22.12.2021</a:t>
             </a:fld>
             <a:endParaRPr lang="tr-TR"/>
           </a:p>
@@ -9330,7 +9330,7 @@
           <a:p>
             <a:fld id="{B9114B60-D3A9-400F-8F56-89102BF2BA28}" type="datetimeFigureOut">
               <a:rPr lang="tr-TR" smtClean="0"/>
-              <a:t>21.12.2021</a:t>
+              <a:t>22.12.2021</a:t>
             </a:fld>
             <a:endParaRPr lang="tr-TR"/>
           </a:p>
@@ -9712,7 +9712,7 @@
           <a:p>
             <a:fld id="{B9114B60-D3A9-400F-8F56-89102BF2BA28}" type="datetimeFigureOut">
               <a:rPr lang="tr-TR" smtClean="0"/>
-              <a:t>21.12.2021</a:t>
+              <a:t>22.12.2021</a:t>
             </a:fld>
             <a:endParaRPr lang="tr-TR"/>
           </a:p>
@@ -9830,7 +9830,7 @@
           <a:p>
             <a:fld id="{B9114B60-D3A9-400F-8F56-89102BF2BA28}" type="datetimeFigureOut">
               <a:rPr lang="tr-TR" smtClean="0"/>
-              <a:t>21.12.2021</a:t>
+              <a:t>22.12.2021</a:t>
             </a:fld>
             <a:endParaRPr lang="tr-TR"/>
           </a:p>
@@ -9925,7 +9925,7 @@
           <a:p>
             <a:fld id="{B9114B60-D3A9-400F-8F56-89102BF2BA28}" type="datetimeFigureOut">
               <a:rPr lang="tr-TR" smtClean="0"/>
-              <a:t>21.12.2021</a:t>
+              <a:t>22.12.2021</a:t>
             </a:fld>
             <a:endParaRPr lang="tr-TR"/>
           </a:p>
@@ -11034,7 +11034,7 @@
           <a:p>
             <a:fld id="{B9114B60-D3A9-400F-8F56-89102BF2BA28}" type="datetimeFigureOut">
               <a:rPr lang="tr-TR" smtClean="0"/>
-              <a:t>21.12.2021</a:t>
+              <a:t>22.12.2021</a:t>
             </a:fld>
             <a:endParaRPr lang="tr-TR"/>
           </a:p>
@@ -12167,7 +12167,7 @@
           <a:p>
             <a:fld id="{B9114B60-D3A9-400F-8F56-89102BF2BA28}" type="datetimeFigureOut">
               <a:rPr lang="tr-TR" smtClean="0"/>
-              <a:t>21.12.2021</a:t>
+              <a:t>22.12.2021</a:t>
             </a:fld>
             <a:endParaRPr lang="tr-TR"/>
           </a:p>
@@ -13195,7 +13195,7 @@
           <a:p>
             <a:fld id="{B9114B60-D3A9-400F-8F56-89102BF2BA28}" type="datetimeFigureOut">
               <a:rPr lang="tr-TR" smtClean="0"/>
-              <a:t>21.12.2021</a:t>
+              <a:t>22.12.2021</a:t>
             </a:fld>
             <a:endParaRPr lang="tr-TR"/>
           </a:p>
@@ -13823,7 +13823,7 @@
         </p:spPr>
         <p:txBody>
           <a:bodyPr>
-            <a:normAutofit/>
+            <a:normAutofit lnSpcReduction="10000"/>
           </a:bodyPr>
           <a:lstStyle/>
           <a:p>
@@ -13850,6 +13850,12 @@
             <a:r>
               <a:rPr lang="tr-TR" dirty="0"/>
               <a:t> Java?</a:t>
+            </a:r>
+          </a:p>
+          <a:p>
+            <a:r>
+              <a:rPr lang="tr-TR" dirty="0"/>
+              <a:t>Neler öğreneceğiz - Rotamız</a:t>
             </a:r>
           </a:p>
         </p:txBody>
@@ -14009,6 +14015,30 @@
             <a:endParaRPr lang="tr-TR" dirty="0"/>
           </a:p>
           <a:p>
+            <a:r>
+              <a:rPr lang="tr-TR" dirty="0">
+                <a:sym typeface="Wingdings" panose="05000000000000000000" pitchFamily="2" charset="2"/>
+              </a:rPr>
+              <a:t> </a:t>
+            </a:r>
+            <a:r>
+              <a:rPr lang="tr-TR" dirty="0">
+                <a:sym typeface="Wingdings" panose="05000000000000000000" pitchFamily="2" charset="2"/>
+                <a:hlinkClick r:id="rId6"/>
+              </a:rPr>
+              <a:t>https://github.com/frknsnmz/advance-java-short</a:t>
+            </a:r>
+            <a:endParaRPr lang="tr-TR" dirty="0">
+              <a:sym typeface="Wingdings" panose="05000000000000000000" pitchFamily="2" charset="2"/>
+            </a:endParaRPr>
+          </a:p>
+          <a:p>
+            <a:endParaRPr lang="tr-TR" dirty="0"/>
+          </a:p>
+          <a:p>
+            <a:endParaRPr lang="tr-TR" dirty="0"/>
+          </a:p>
+          <a:p>
             <a:pPr marL="0" indent="0">
               <a:buNone/>
             </a:pPr>
@@ -14034,7 +14064,7 @@
           <p:nvPr/>
         </p:nvPicPr>
         <p:blipFill>
-          <a:blip r:embed="rId6"/>
+          <a:blip r:embed="rId7"/>
           <a:stretch>
             <a:fillRect/>
           </a:stretch>
@@ -14123,7 +14153,12 @@
             <p:ph idx="1"/>
           </p:nvPr>
         </p:nvSpPr>
-        <p:spPr/>
+        <p:spPr>
+          <a:xfrm>
+            <a:off x="1154954" y="2630660"/>
+            <a:ext cx="8761412" cy="3416300"/>
+          </a:xfrm>
+        </p:spPr>
         <p:txBody>
           <a:bodyPr/>
           <a:lstStyle/>
